--- a/測定とデータの扱い方_2+.pptx
+++ b/測定とデータの扱い方_2+.pptx
@@ -15,8 +15,9 @@
     <p:sldId id="280" r:id="rId9"/>
     <p:sldId id="272" r:id="rId10"/>
     <p:sldId id="281" r:id="rId11"/>
-    <p:sldId id="271" r:id="rId12"/>
-    <p:sldId id="275" r:id="rId13"/>
+    <p:sldId id="282" r:id="rId12"/>
+    <p:sldId id="271" r:id="rId13"/>
+    <p:sldId id="275" r:id="rId14"/>
   </p:sldIdLst>
   <p:sldSz cx="9144000" cy="6858000" type="screen4x3"/>
   <p:notesSz cx="6858000" cy="9144000"/>
@@ -3711,15 +3712,7 @@
           <a:p>
             <a:r>
               <a:rPr kumimoji="1" lang="ja-JP" altLang="en-US" dirty="0" smtClean="0"/>
-              <a:t>測定とデータの</a:t>
-            </a:r>
-            <a:r>
-              <a:rPr kumimoji="1" lang="ja-JP" altLang="en-US" dirty="0" smtClean="0"/>
-              <a:t>扱い方</a:t>
-            </a:r>
-            <a:r>
-              <a:rPr kumimoji="1" lang="ja-JP" altLang="en-US" dirty="0" smtClean="0"/>
-              <a:t>（２）</a:t>
+              <a:t>測定とデータの扱い方（２）</a:t>
             </a:r>
             <a:endParaRPr kumimoji="1" lang="ja-JP" altLang="en-US" dirty="0"/>
           </a:p>
@@ -3829,15 +3822,423 @@
           <a:p>
             <a:pPr lvl="1"/>
             <a:r>
-              <a:rPr kumimoji="1" lang="ja-JP" altLang="en-US" smtClean="0"/>
-              <a:t>どの測定点についてもほどほどのずれで直線がとおる</a:t>
-            </a:r>
-          </a:p>
-          <a:p>
-            <a:endParaRPr kumimoji="1" lang="ja-JP" altLang="en-US" smtClean="0"/>
-          </a:p>
-        </p:txBody>
-      </p:sp>
+              <a:rPr kumimoji="1" lang="ja-JP" altLang="en-US" dirty="0" smtClean="0"/>
+              <a:t>どの</a:t>
+            </a:r>
+            <a:r>
+              <a:rPr kumimoji="1" lang="ja-JP" altLang="en-US" dirty="0" smtClean="0"/>
+              <a:t>測定点</a:t>
+            </a:r>
+            <a:r>
+              <a:rPr lang="ja-JP" altLang="en-US" dirty="0" smtClean="0"/>
+              <a:t>も極端に</a:t>
+            </a:r>
+            <a:r>
+              <a:rPr kumimoji="1" lang="ja-JP" altLang="en-US" dirty="0" smtClean="0"/>
+              <a:t>直線</a:t>
+            </a:r>
+            <a:r>
+              <a:rPr kumimoji="1" lang="ja-JP" altLang="en-US" dirty="0" smtClean="0"/>
+              <a:t>からはなれない</a:t>
+            </a:r>
+            <a:endParaRPr kumimoji="1" lang="en-US" altLang="ja-JP" dirty="0" smtClean="0"/>
+          </a:p>
+          <a:p>
+            <a:pPr lvl="1"/>
+            <a:r>
+              <a:rPr lang="ja-JP" altLang="en-US" dirty="0" smtClean="0"/>
+              <a:t>誤差の二乗の和を最小にする</a:t>
+            </a:r>
+            <a:endParaRPr lang="en-US" altLang="ja-JP" dirty="0"/>
+          </a:p>
+          <a:p>
+            <a:r>
+              <a:rPr kumimoji="1" lang="ja-JP" altLang="en-US" dirty="0" smtClean="0"/>
+              <a:t>測定値</a:t>
+            </a:r>
+            <a:r>
+              <a:rPr kumimoji="1" lang="en-US" altLang="ja-JP" dirty="0" smtClean="0"/>
+              <a:t> </a:t>
+            </a:r>
+            <a:r>
+              <a:rPr kumimoji="1" lang="en-US" altLang="ja-JP" i="1" dirty="0" smtClean="0">
+                <a:latin typeface="Euclid"/>
+                <a:cs typeface="Euclid"/>
+              </a:rPr>
+              <a:t>P</a:t>
+            </a:r>
+            <a:r>
+              <a:rPr kumimoji="1" lang="en-US" altLang="ja-JP" dirty="0" smtClean="0">
+                <a:latin typeface="Euclid"/>
+                <a:cs typeface="Euclid"/>
+              </a:rPr>
+              <a:t>, </a:t>
+            </a:r>
+            <a:r>
+              <a:rPr kumimoji="1" lang="en-US" altLang="ja-JP" i="1" dirty="0" smtClean="0">
+                <a:latin typeface="Euclid"/>
+                <a:cs typeface="Euclid"/>
+              </a:rPr>
+              <a:t>x</a:t>
+            </a:r>
+            <a:r>
+              <a:rPr kumimoji="1" lang="en-US" altLang="ja-JP" dirty="0" smtClean="0">
+                <a:latin typeface="Euclid"/>
+                <a:cs typeface="Euclid"/>
+              </a:rPr>
+              <a:t>, </a:t>
+            </a:r>
+            <a:r>
+              <a:rPr kumimoji="1" lang="en-US" altLang="ja-JP" i="1" dirty="0" smtClean="0">
+                <a:latin typeface="Euclid"/>
+                <a:cs typeface="Euclid"/>
+              </a:rPr>
+              <a:t>y</a:t>
+            </a:r>
+            <a:r>
+              <a:rPr kumimoji="1" lang="en-US" altLang="ja-JP" dirty="0" smtClean="0"/>
+              <a:t> </a:t>
+            </a:r>
+            <a:r>
+              <a:rPr lang="ja-JP" altLang="en-US" dirty="0" smtClean="0"/>
+              <a:t>の間には、本来関係</a:t>
+            </a:r>
+            <a:r>
+              <a:rPr kumimoji="1" lang="en-US" altLang="ja-JP" dirty="0" smtClean="0"/>
+              <a:t> </a:t>
+            </a:r>
+            <a:r>
+              <a:rPr kumimoji="1" lang="en-US" altLang="ja-JP" i="1" dirty="0" smtClean="0">
+                <a:latin typeface="Euclid"/>
+                <a:cs typeface="Euclid"/>
+              </a:rPr>
+              <a:t>P</a:t>
+            </a:r>
+            <a:r>
+              <a:rPr kumimoji="1" lang="en-US" altLang="ja-JP" dirty="0" smtClean="0">
+                <a:latin typeface="Euclid"/>
+                <a:cs typeface="Euclid"/>
+              </a:rPr>
+              <a:t> = </a:t>
+            </a:r>
+            <a:r>
+              <a:rPr kumimoji="1" lang="en-US" altLang="ja-JP" i="1" dirty="0" smtClean="0">
+                <a:latin typeface="Euclid"/>
+                <a:cs typeface="Euclid"/>
+              </a:rPr>
+              <a:t>ax</a:t>
+            </a:r>
+            <a:r>
+              <a:rPr kumimoji="1" lang="en-US" altLang="ja-JP" dirty="0" smtClean="0">
+                <a:latin typeface="Euclid"/>
+                <a:cs typeface="Euclid"/>
+              </a:rPr>
+              <a:t> + </a:t>
+            </a:r>
+            <a:r>
+              <a:rPr kumimoji="1" lang="en-US" altLang="ja-JP" i="1" dirty="0" smtClean="0">
+                <a:latin typeface="Euclid"/>
+                <a:cs typeface="Euclid"/>
+              </a:rPr>
+              <a:t>by</a:t>
+            </a:r>
+            <a:r>
+              <a:rPr kumimoji="1" lang="en-US" altLang="ja-JP" dirty="0" smtClean="0">
+                <a:latin typeface="Euclid"/>
+                <a:cs typeface="Euclid"/>
+              </a:rPr>
+              <a:t> </a:t>
+            </a:r>
+            <a:r>
+              <a:rPr kumimoji="1" lang="ja-JP" altLang="en-US" dirty="0" smtClean="0">
+                <a:latin typeface="Euclid"/>
+                <a:cs typeface="Euclid"/>
+              </a:rPr>
+              <a:t>が成り立つとする．</a:t>
+            </a:r>
+            <a:r>
+              <a:rPr kumimoji="1" lang="en-US" altLang="ja-JP" dirty="0" smtClean="0">
+                <a:latin typeface="Euclid"/>
+                <a:cs typeface="Euclid"/>
+              </a:rPr>
+              <a:t/>
+            </a:r>
+            <a:br>
+              <a:rPr kumimoji="1" lang="en-US" altLang="ja-JP" dirty="0" smtClean="0">
+                <a:latin typeface="Euclid"/>
+                <a:cs typeface="Euclid"/>
+              </a:rPr>
+            </a:br>
+            <a:r>
+              <a:rPr kumimoji="1" lang="ja-JP" altLang="en-US" dirty="0" smtClean="0">
+                <a:latin typeface="Euclid"/>
+                <a:cs typeface="Euclid"/>
+              </a:rPr>
+              <a:t>各測定値</a:t>
+            </a:r>
+            <a:r>
+              <a:rPr kumimoji="1" lang="en-US" altLang="ja-JP" dirty="0" smtClean="0">
+                <a:latin typeface="Euclid"/>
+                <a:cs typeface="Euclid"/>
+              </a:rPr>
+              <a:t> (</a:t>
+            </a:r>
+            <a:r>
+              <a:rPr lang="en-US" altLang="ja-JP" i="1" dirty="0" smtClean="0">
+                <a:latin typeface="Euclid"/>
+                <a:cs typeface="Euclid"/>
+              </a:rPr>
+              <a:t>P</a:t>
+            </a:r>
+            <a:r>
+              <a:rPr lang="en-US" altLang="ja-JP" i="1" baseline="-25000" dirty="0" smtClean="0">
+                <a:latin typeface="Euclid"/>
+                <a:cs typeface="Euclid"/>
+              </a:rPr>
+              <a:t>i</a:t>
+            </a:r>
+            <a:r>
+              <a:rPr lang="en-US" altLang="ja-JP" dirty="0" smtClean="0">
+                <a:latin typeface="Euclid"/>
+                <a:cs typeface="Euclid"/>
+              </a:rPr>
+              <a:t>, </a:t>
+            </a:r>
+            <a:r>
+              <a:rPr lang="en-US" altLang="ja-JP" i="1" dirty="0" smtClean="0">
+                <a:latin typeface="Euclid"/>
+                <a:cs typeface="Euclid"/>
+              </a:rPr>
+              <a:t>x</a:t>
+            </a:r>
+            <a:r>
+              <a:rPr lang="en-US" altLang="ja-JP" i="1" baseline="-25000" dirty="0" smtClean="0">
+                <a:latin typeface="Euclid"/>
+                <a:cs typeface="Euclid"/>
+              </a:rPr>
+              <a:t>i</a:t>
+            </a:r>
+            <a:r>
+              <a:rPr lang="en-US" altLang="ja-JP" dirty="0" smtClean="0">
+                <a:latin typeface="Euclid"/>
+                <a:cs typeface="Euclid"/>
+              </a:rPr>
+              <a:t>, </a:t>
+            </a:r>
+            <a:r>
+              <a:rPr lang="en-US" altLang="ja-JP" i="1" dirty="0" err="1" smtClean="0">
+                <a:latin typeface="Euclid"/>
+                <a:cs typeface="Euclid"/>
+              </a:rPr>
+              <a:t>y</a:t>
+            </a:r>
+            <a:r>
+              <a:rPr lang="en-US" altLang="ja-JP" i="1" baseline="-25000" dirty="0" err="1" smtClean="0">
+                <a:latin typeface="Euclid"/>
+                <a:cs typeface="Euclid"/>
+              </a:rPr>
+              <a:t>i</a:t>
+            </a:r>
+            <a:r>
+              <a:rPr kumimoji="1" lang="en-US" altLang="ja-JP" dirty="0" smtClean="0">
+                <a:latin typeface="Euclid"/>
+                <a:cs typeface="Euclid"/>
+              </a:rPr>
+              <a:t>) </a:t>
+            </a:r>
+            <a:r>
+              <a:rPr kumimoji="1" lang="ja-JP" altLang="en-US" dirty="0" smtClean="0">
+                <a:latin typeface="Euclid"/>
+                <a:cs typeface="Euclid"/>
+              </a:rPr>
+              <a:t>について、差を</a:t>
+            </a:r>
+            <a:r>
+              <a:rPr kumimoji="1" lang="en-US" altLang="ja-JP" dirty="0" smtClean="0">
+                <a:latin typeface="Euclid"/>
+                <a:cs typeface="Euclid"/>
+              </a:rPr>
+              <a:t> </a:t>
+            </a:r>
+            <a:r>
+              <a:rPr kumimoji="1" lang="en-US" altLang="ja-JP" i="1" dirty="0" err="1" smtClean="0">
+                <a:latin typeface="Euclid"/>
+                <a:cs typeface="Euclid"/>
+              </a:rPr>
+              <a:t>r</a:t>
+            </a:r>
+            <a:r>
+              <a:rPr kumimoji="1" lang="en-US" altLang="ja-JP" i="1" baseline="-25000" dirty="0" err="1" smtClean="0">
+                <a:latin typeface="Euclid"/>
+                <a:cs typeface="Euclid"/>
+              </a:rPr>
+              <a:t>i</a:t>
+            </a:r>
+            <a:r>
+              <a:rPr kumimoji="1" lang="en-US" altLang="ja-JP" dirty="0" smtClean="0">
+                <a:latin typeface="Euclid"/>
+                <a:cs typeface="Euclid"/>
+              </a:rPr>
+              <a:t> </a:t>
+            </a:r>
+            <a:r>
+              <a:rPr lang="ja-JP" altLang="en-US" dirty="0" smtClean="0">
+                <a:latin typeface="Euclid"/>
+                <a:cs typeface="Euclid"/>
+              </a:rPr>
+              <a:t>とおき</a:t>
+            </a:r>
+            <a:r>
+              <a:rPr kumimoji="1" lang="en-US" altLang="ja-JP" dirty="0" smtClean="0">
+                <a:latin typeface="Euclid"/>
+                <a:cs typeface="Euclid"/>
+              </a:rPr>
+              <a:t/>
+            </a:r>
+            <a:br>
+              <a:rPr kumimoji="1" lang="en-US" altLang="ja-JP" dirty="0" smtClean="0">
+                <a:latin typeface="Euclid"/>
+                <a:cs typeface="Euclid"/>
+              </a:rPr>
+            </a:br>
+            <a:r>
+              <a:rPr kumimoji="1" lang="en-US" altLang="ja-JP" dirty="0" smtClean="0">
+                <a:latin typeface="Euclid"/>
+                <a:cs typeface="Euclid"/>
+              </a:rPr>
+              <a:t/>
+            </a:r>
+            <a:br>
+              <a:rPr kumimoji="1" lang="en-US" altLang="ja-JP" dirty="0" smtClean="0">
+                <a:latin typeface="Euclid"/>
+                <a:cs typeface="Euclid"/>
+              </a:rPr>
+            </a:br>
+            <a:r>
+              <a:rPr kumimoji="1" lang="en-US" altLang="ja-JP" dirty="0" smtClean="0">
+                <a:latin typeface="Euclid"/>
+                <a:cs typeface="Euclid"/>
+              </a:rPr>
+              <a:t/>
+            </a:r>
+            <a:br>
+              <a:rPr kumimoji="1" lang="en-US" altLang="ja-JP" dirty="0" smtClean="0">
+                <a:latin typeface="Euclid"/>
+                <a:cs typeface="Euclid"/>
+              </a:rPr>
+            </a:br>
+            <a:r>
+              <a:rPr lang="ja-JP" altLang="en-US" dirty="0" smtClean="0">
+                <a:latin typeface="Euclid"/>
+                <a:cs typeface="Euclid"/>
+              </a:rPr>
+              <a:t>と表すとすると．．．</a:t>
+            </a:r>
+            <a:endParaRPr lang="en-US" altLang="ja-JP" dirty="0"/>
+          </a:p>
+          <a:p>
+            <a:endParaRPr kumimoji="1" lang="en-US" altLang="ja-JP" i="1" dirty="0" smtClean="0">
+              <a:latin typeface="Euclid"/>
+              <a:cs typeface="Euclid"/>
+            </a:endParaRPr>
+          </a:p>
+        </p:txBody>
+      </p:sp>
+      <p:graphicFrame>
+        <p:nvGraphicFramePr>
+          <p:cNvPr id="5" name="Object 6"/>
+          <p:cNvGraphicFramePr>
+            <a:graphicFrameLocks noChangeAspect="1"/>
+          </p:cNvGraphicFramePr>
+          <p:nvPr>
+            <p:extLst>
+              <p:ext uri="{D42A27DB-BD31-4B8C-83A1-F6EECF244321}">
+                <p14:modId xmlns:p14="http://schemas.microsoft.com/office/powerpoint/2010/main" val="1627665982"/>
+              </p:ext>
+            </p:extLst>
+          </p:nvPr>
+        </p:nvGraphicFramePr>
+        <p:xfrm>
+          <a:off x="3035300" y="4738688"/>
+          <a:ext cx="2447925" cy="434975"/>
+        </p:xfrm>
+        <a:graphic>
+          <a:graphicData uri="http://schemas.openxmlformats.org/presentationml/2006/ole">
+            <mc:AlternateContent xmlns:mc="http://schemas.openxmlformats.org/markup-compatibility/2006">
+              <mc:Choice xmlns:v="urn:schemas-microsoft-com:vml" Requires="v">
+                <p:oleObj spid="_x0000_s1033" name="Equation" r:id="rId3" imgW="1054100" imgH="203200" progId="Equation.DSMT4">
+                  <p:embed/>
+                </p:oleObj>
+              </mc:Choice>
+              <mc:Fallback>
+                <p:oleObj name="Equation" r:id="rId3" imgW="1054100" imgH="203200" progId="Equation.DSMT4">
+                  <p:embed/>
+                  <p:pic>
+                    <p:nvPicPr>
+                      <p:cNvPr id="0" name=""/>
+                      <p:cNvPicPr>
+                        <a:picLocks noChangeAspect="1" noChangeArrowheads="1"/>
+                      </p:cNvPicPr>
+                      <p:nvPr/>
+                    </p:nvPicPr>
+                    <p:blipFill>
+                      <a:blip r:embed="rId4"/>
+                      <a:srcRect/>
+                      <a:stretch>
+                        <a:fillRect/>
+                      </a:stretch>
+                    </p:blipFill>
+                    <p:spPr bwMode="auto">
+                      <a:xfrm>
+                        <a:off x="3035300" y="4738688"/>
+                        <a:ext cx="2447925" cy="434975"/>
+                      </a:xfrm>
+                      <a:prstGeom prst="rect">
+                        <a:avLst/>
+                      </a:prstGeom>
+                      <a:noFill/>
+                      <a:ln>
+                        <a:noFill/>
+                      </a:ln>
+                      <a:effectLst/>
+                      <a:extLst>
+                        <a:ext uri="{909E8E84-426E-40dd-AFC4-6F175D3DCCD1}">
+                          <a14:hiddenFill xmlns:a14="http://schemas.microsoft.com/office/drawing/2010/main">
+                            <a:solidFill>
+                              <a:srgbClr val="FFFFFF"/>
+                            </a:solidFill>
+                          </a14:hiddenFill>
+                        </a:ext>
+                        <a:ext uri="{91240B29-F687-4f45-9708-019B960494DF}">
+                          <a14:hiddenLine xmlns:a14="http://schemas.microsoft.com/office/drawing/2010/main" w="9525">
+                            <a:solidFill>
+                              <a:srgbClr val="000000"/>
+                            </a:solidFill>
+                            <a:miter lim="800000"/>
+                            <a:headEnd/>
+                            <a:tailEnd/>
+                          </a14:hiddenLine>
+                        </a:ext>
+                        <a:ext uri="{AF507438-7753-43e0-B8FC-AC1667EBCBE1}">
+                          <a14:hiddenEffects xmlns:a14="http://schemas.microsoft.com/office/drawing/2010/main">
+                            <a:effectLst>
+                              <a:outerShdw blurRad="63500" dist="38099" dir="2700000" algn="ctr" rotWithShape="0">
+                                <a:srgbClr val="000000">
+                                  <a:alpha val="74997"/>
+                                </a:srgbClr>
+                              </a:outerShdw>
+                            </a:effectLst>
+                          </a14:hiddenEffects>
+                        </a:ext>
+                      </a:extLst>
+                    </p:spPr>
+                  </p:pic>
+                </p:oleObj>
+              </mc:Fallback>
+            </mc:AlternateContent>
+          </a:graphicData>
+        </a:graphic>
+      </p:graphicFrame>
     </p:spTree>
     <p:extLst>
       <p:ext uri="{BB962C8B-B14F-4D97-AF65-F5344CB8AC3E}">
@@ -3852,6 +4253,563 @@
 </file>
 
 <file path=ppt/slides/slide11.xml><?xml version="1.0" encoding="utf-8"?>
+<p:sld xmlns:a="http://schemas.openxmlformats.org/drawingml/2006/main" xmlns:r="http://schemas.openxmlformats.org/officeDocument/2006/relationships" xmlns:p="http://schemas.openxmlformats.org/presentationml/2006/main">
+  <p:cSld>
+    <p:spTree>
+      <p:nvGrpSpPr>
+        <p:cNvPr id="1" name=""/>
+        <p:cNvGrpSpPr/>
+        <p:nvPr/>
+      </p:nvGrpSpPr>
+      <p:grpSpPr>
+        <a:xfrm>
+          <a:off x="0" y="0"/>
+          <a:ext cx="0" cy="0"/>
+          <a:chOff x="0" y="0"/>
+          <a:chExt cx="0" cy="0"/>
+        </a:xfrm>
+      </p:grpSpPr>
+      <p:sp>
+        <p:nvSpPr>
+          <p:cNvPr id="2" name="タイトル 1"/>
+          <p:cNvSpPr>
+            <a:spLocks noGrp="1"/>
+          </p:cNvSpPr>
+          <p:nvPr>
+            <p:ph type="title"/>
+          </p:nvPr>
+        </p:nvSpPr>
+        <p:spPr/>
+        <p:txBody>
+          <a:bodyPr/>
+          <a:lstStyle/>
+          <a:p>
+            <a:r>
+              <a:rPr kumimoji="1" lang="ja-JP" altLang="en-US" dirty="0" smtClean="0"/>
+              <a:t>最小二乗法</a:t>
+            </a:r>
+            <a:r>
+              <a:rPr kumimoji="1" lang="ja-JP" altLang="en-US" dirty="0" smtClean="0"/>
+              <a:t>（</a:t>
+            </a:r>
+            <a:r>
+              <a:rPr kumimoji="1" lang="ja-JP" altLang="en-US" dirty="0" smtClean="0"/>
+              <a:t>導出</a:t>
+            </a:r>
+            <a:r>
+              <a:rPr kumimoji="1" lang="ja-JP" altLang="en-US" dirty="0" smtClean="0"/>
+              <a:t>）</a:t>
+            </a:r>
+            <a:endParaRPr kumimoji="1" lang="ja-JP" altLang="en-US" dirty="0"/>
+          </a:p>
+        </p:txBody>
+      </p:sp>
+      <p:sp>
+        <p:nvSpPr>
+          <p:cNvPr id="3" name="コンテンツ プレースホルダー 2"/>
+          <p:cNvSpPr>
+            <a:spLocks noGrp="1"/>
+          </p:cNvSpPr>
+          <p:nvPr>
+            <p:ph idx="1"/>
+          </p:nvPr>
+        </p:nvSpPr>
+        <p:spPr/>
+        <p:txBody>
+          <a:bodyPr>
+            <a:normAutofit/>
+          </a:bodyPr>
+          <a:lstStyle/>
+          <a:p>
+            <a:r>
+              <a:rPr kumimoji="1" lang="en-US" altLang="ja-JP" dirty="0" smtClean="0">
+                <a:latin typeface="Euclid"/>
+                <a:cs typeface="Euclid"/>
+              </a:rPr>
+              <a:t> </a:t>
+            </a:r>
+            <a:r>
+              <a:rPr kumimoji="1" lang="en-US" altLang="ja-JP" i="1" dirty="0" smtClean="0">
+                <a:latin typeface="Euclid"/>
+                <a:cs typeface="Euclid"/>
+              </a:rPr>
+              <a:t>n</a:t>
+            </a:r>
+            <a:r>
+              <a:rPr kumimoji="1" lang="en-US" altLang="ja-JP" dirty="0" smtClean="0">
+                <a:latin typeface="Euclid"/>
+                <a:cs typeface="Euclid"/>
+              </a:rPr>
+              <a:t> </a:t>
+            </a:r>
+            <a:r>
+              <a:rPr kumimoji="1" lang="ja-JP" altLang="en-US" dirty="0" smtClean="0">
+                <a:latin typeface="Euclid"/>
+                <a:cs typeface="Euclid"/>
+              </a:rPr>
+              <a:t>個の測定値について</a:t>
+            </a:r>
+            <a:r>
+              <a:rPr kumimoji="1" lang="en-US" altLang="ja-JP" dirty="0" smtClean="0">
+                <a:latin typeface="Euclid"/>
+                <a:cs typeface="Euclid"/>
+              </a:rPr>
+              <a:t/>
+            </a:r>
+            <a:br>
+              <a:rPr kumimoji="1" lang="en-US" altLang="ja-JP" dirty="0" smtClean="0">
+                <a:latin typeface="Euclid"/>
+                <a:cs typeface="Euclid"/>
+              </a:rPr>
+            </a:br>
+            <a:r>
+              <a:rPr kumimoji="1" lang="en-US" altLang="ja-JP" dirty="0" smtClean="0">
+                <a:latin typeface="Euclid"/>
+                <a:cs typeface="Euclid"/>
+              </a:rPr>
+              <a:t/>
+            </a:r>
+            <a:br>
+              <a:rPr kumimoji="1" lang="en-US" altLang="ja-JP" dirty="0" smtClean="0">
+                <a:latin typeface="Euclid"/>
+                <a:cs typeface="Euclid"/>
+              </a:rPr>
+            </a:br>
+            <a:r>
+              <a:rPr kumimoji="1" lang="en-US" altLang="ja-JP" dirty="0" smtClean="0">
+                <a:latin typeface="Euclid"/>
+                <a:cs typeface="Euclid"/>
+              </a:rPr>
+              <a:t/>
+            </a:r>
+            <a:br>
+              <a:rPr kumimoji="1" lang="en-US" altLang="ja-JP" dirty="0" smtClean="0">
+                <a:latin typeface="Euclid"/>
+                <a:cs typeface="Euclid"/>
+              </a:rPr>
+            </a:br>
+            <a:r>
+              <a:rPr kumimoji="1" lang="en-US" altLang="ja-JP" dirty="0" smtClean="0">
+                <a:latin typeface="Euclid"/>
+                <a:cs typeface="Euclid"/>
+              </a:rPr>
+              <a:t/>
+            </a:r>
+            <a:br>
+              <a:rPr kumimoji="1" lang="en-US" altLang="ja-JP" dirty="0" smtClean="0">
+                <a:latin typeface="Euclid"/>
+                <a:cs typeface="Euclid"/>
+              </a:rPr>
+            </a:br>
+            <a:r>
+              <a:rPr kumimoji="1" lang="en-US" altLang="ja-JP" dirty="0" smtClean="0">
+                <a:latin typeface="Euclid"/>
+                <a:cs typeface="Euclid"/>
+              </a:rPr>
+              <a:t/>
+            </a:r>
+            <a:br>
+              <a:rPr kumimoji="1" lang="en-US" altLang="ja-JP" dirty="0" smtClean="0">
+                <a:latin typeface="Euclid"/>
+                <a:cs typeface="Euclid"/>
+              </a:rPr>
+            </a:br>
+            <a:r>
+              <a:rPr kumimoji="1" lang="ja-JP" altLang="en-US" dirty="0" smtClean="0">
+                <a:latin typeface="Euclid"/>
+                <a:cs typeface="Euclid"/>
+              </a:rPr>
+              <a:t>だから、差の二乗和</a:t>
+            </a:r>
+            <a:r>
+              <a:rPr kumimoji="1" lang="en-US" altLang="ja-JP" dirty="0" smtClean="0">
+                <a:latin typeface="Euclid"/>
+                <a:cs typeface="Euclid"/>
+              </a:rPr>
+              <a:t/>
+            </a:r>
+            <a:br>
+              <a:rPr kumimoji="1" lang="en-US" altLang="ja-JP" dirty="0" smtClean="0">
+                <a:latin typeface="Euclid"/>
+                <a:cs typeface="Euclid"/>
+              </a:rPr>
+            </a:br>
+            <a:r>
+              <a:rPr kumimoji="1" lang="en-US" altLang="ja-JP" dirty="0" smtClean="0">
+                <a:latin typeface="Euclid"/>
+                <a:cs typeface="Euclid"/>
+              </a:rPr>
+              <a:t/>
+            </a:r>
+            <a:br>
+              <a:rPr kumimoji="1" lang="en-US" altLang="ja-JP" dirty="0" smtClean="0">
+                <a:latin typeface="Euclid"/>
+                <a:cs typeface="Euclid"/>
+              </a:rPr>
+            </a:br>
+            <a:r>
+              <a:rPr kumimoji="1" lang="en-US" altLang="ja-JP" dirty="0" smtClean="0">
+                <a:latin typeface="Euclid"/>
+                <a:cs typeface="Euclid"/>
+              </a:rPr>
+              <a:t/>
+            </a:r>
+            <a:br>
+              <a:rPr kumimoji="1" lang="en-US" altLang="ja-JP" dirty="0" smtClean="0">
+                <a:latin typeface="Euclid"/>
+                <a:cs typeface="Euclid"/>
+              </a:rPr>
+            </a:br>
+            <a:r>
+              <a:rPr kumimoji="1" lang="en-US" altLang="ja-JP" dirty="0" smtClean="0">
+                <a:latin typeface="Euclid"/>
+                <a:cs typeface="Euclid"/>
+              </a:rPr>
+              <a:t/>
+            </a:r>
+            <a:br>
+              <a:rPr kumimoji="1" lang="en-US" altLang="ja-JP" dirty="0" smtClean="0">
+                <a:latin typeface="Euclid"/>
+                <a:cs typeface="Euclid"/>
+              </a:rPr>
+            </a:br>
+            <a:r>
+              <a:rPr kumimoji="1" lang="ja-JP" altLang="en-US" dirty="0" smtClean="0">
+                <a:latin typeface="Euclid"/>
+                <a:cs typeface="Euclid"/>
+              </a:rPr>
+              <a:t>を最小にする</a:t>
+            </a:r>
+            <a:r>
+              <a:rPr kumimoji="1" lang="en-US" altLang="ja-JP" dirty="0" smtClean="0">
+                <a:latin typeface="Euclid"/>
+                <a:cs typeface="Euclid"/>
+              </a:rPr>
+              <a:t> </a:t>
+            </a:r>
+            <a:r>
+              <a:rPr kumimoji="1" lang="en-US" altLang="ja-JP" i="1" dirty="0" smtClean="0">
+                <a:latin typeface="Euclid"/>
+                <a:cs typeface="Euclid"/>
+              </a:rPr>
+              <a:t>a</a:t>
+            </a:r>
+            <a:r>
+              <a:rPr kumimoji="1" lang="en-US" altLang="ja-JP" dirty="0" smtClean="0">
+                <a:latin typeface="Euclid"/>
+                <a:cs typeface="Euclid"/>
+              </a:rPr>
+              <a:t> </a:t>
+            </a:r>
+            <a:r>
+              <a:rPr kumimoji="1" lang="ja-JP" altLang="en-US" dirty="0" smtClean="0">
+                <a:latin typeface="Euclid"/>
+                <a:cs typeface="Euclid"/>
+              </a:rPr>
+              <a:t>と</a:t>
+            </a:r>
+            <a:r>
+              <a:rPr kumimoji="1" lang="en-US" altLang="ja-JP" dirty="0" smtClean="0">
+                <a:latin typeface="Euclid"/>
+                <a:cs typeface="Euclid"/>
+              </a:rPr>
+              <a:t> </a:t>
+            </a:r>
+            <a:r>
+              <a:rPr kumimoji="1" lang="en-US" altLang="ja-JP" i="1" dirty="0" smtClean="0">
+                <a:latin typeface="Euclid"/>
+                <a:cs typeface="Euclid"/>
+              </a:rPr>
+              <a:t>b</a:t>
+            </a:r>
+            <a:r>
+              <a:rPr kumimoji="1" lang="en-US" altLang="ja-JP" dirty="0" smtClean="0">
+                <a:latin typeface="Euclid"/>
+                <a:cs typeface="Euclid"/>
+              </a:rPr>
+              <a:t> </a:t>
+            </a:r>
+            <a:r>
+              <a:rPr kumimoji="1" lang="ja-JP" altLang="en-US" dirty="0" smtClean="0">
+                <a:latin typeface="Euclid"/>
+                <a:cs typeface="Euclid"/>
+              </a:rPr>
+              <a:t>は、</a:t>
+            </a:r>
+            <a:r>
+              <a:rPr lang="en-US" altLang="ja-JP" dirty="0" smtClean="0">
+                <a:latin typeface="Euclid"/>
+                <a:cs typeface="Euclid"/>
+              </a:rPr>
+              <a:t> </a:t>
+            </a:r>
+            <a:r>
+              <a:rPr lang="en-US" altLang="ja-JP" i="1" dirty="0" smtClean="0">
+                <a:latin typeface="Euclid"/>
+                <a:cs typeface="Euclid"/>
+              </a:rPr>
+              <a:t>a</a:t>
+            </a:r>
+            <a:r>
+              <a:rPr lang="en-US" altLang="ja-JP" dirty="0" smtClean="0">
+                <a:latin typeface="Euclid"/>
+                <a:cs typeface="Euclid"/>
+              </a:rPr>
+              <a:t>, </a:t>
+            </a:r>
+            <a:r>
+              <a:rPr lang="en-US" altLang="ja-JP" i="1" dirty="0">
+                <a:latin typeface="Euclid"/>
+                <a:cs typeface="Euclid"/>
+              </a:rPr>
+              <a:t>b</a:t>
+            </a:r>
+            <a:r>
+              <a:rPr lang="en-US" altLang="ja-JP" dirty="0">
+                <a:latin typeface="Euclid"/>
+                <a:cs typeface="Euclid"/>
+              </a:rPr>
+              <a:t> </a:t>
+            </a:r>
+            <a:r>
+              <a:rPr lang="ja-JP" altLang="en-US" dirty="0" smtClean="0">
+                <a:latin typeface="Euclid"/>
+                <a:cs typeface="Euclid"/>
+              </a:rPr>
+              <a:t>それぞれについての偏微分が</a:t>
+            </a:r>
+            <a:r>
+              <a:rPr lang="en-US" altLang="ja-JP" dirty="0" smtClean="0">
+                <a:latin typeface="Euclid"/>
+                <a:cs typeface="Euclid"/>
+              </a:rPr>
+              <a:t> =0 </a:t>
+            </a:r>
+            <a:r>
+              <a:rPr lang="ja-JP" altLang="en-US" dirty="0" smtClean="0">
+                <a:latin typeface="Euclid"/>
+                <a:cs typeface="Euclid"/>
+              </a:rPr>
+              <a:t>になるものと考えられ</a:t>
+            </a:r>
+            <a:r>
+              <a:rPr lang="en-US" altLang="ja-JP" dirty="0" smtClean="0">
+                <a:latin typeface="Euclid"/>
+                <a:cs typeface="Euclid"/>
+              </a:rPr>
+              <a:t> </a:t>
+            </a:r>
+            <a:endParaRPr kumimoji="1" lang="en-US" altLang="ja-JP" dirty="0" smtClean="0">
+              <a:latin typeface="Euclid"/>
+              <a:cs typeface="Euclid"/>
+            </a:endParaRPr>
+          </a:p>
+        </p:txBody>
+      </p:sp>
+      <p:graphicFrame>
+        <p:nvGraphicFramePr>
+          <p:cNvPr id="4" name="Object 6"/>
+          <p:cNvGraphicFramePr>
+            <a:graphicFrameLocks noChangeAspect="1"/>
+          </p:cNvGraphicFramePr>
+          <p:nvPr>
+            <p:extLst>
+              <p:ext uri="{D42A27DB-BD31-4B8C-83A1-F6EECF244321}">
+                <p14:modId xmlns:p14="http://schemas.microsoft.com/office/powerpoint/2010/main" val="2200042389"/>
+              </p:ext>
+            </p:extLst>
+          </p:nvPr>
+        </p:nvGraphicFramePr>
+        <p:xfrm>
+          <a:off x="2932112" y="2133600"/>
+          <a:ext cx="2947988" cy="1574800"/>
+        </p:xfrm>
+        <a:graphic>
+          <a:graphicData uri="http://schemas.openxmlformats.org/presentationml/2006/ole">
+            <mc:AlternateContent xmlns:mc="http://schemas.openxmlformats.org/markup-compatibility/2006">
+              <mc:Choice xmlns:v="urn:schemas-microsoft-com:vml" Requires="v">
+                <p:oleObj spid="_x0000_s8198" name="Equation" r:id="rId3" imgW="1270000" imgH="736600" progId="Equation.DSMT4">
+                  <p:embed/>
+                </p:oleObj>
+              </mc:Choice>
+              <mc:Fallback>
+                <p:oleObj name="Equation" r:id="rId3" imgW="1270000" imgH="736600" progId="Equation.DSMT4">
+                  <p:embed/>
+                  <p:pic>
+                    <p:nvPicPr>
+                      <p:cNvPr id="0" name=""/>
+                      <p:cNvPicPr>
+                        <a:picLocks noChangeAspect="1" noChangeArrowheads="1"/>
+                      </p:cNvPicPr>
+                      <p:nvPr/>
+                    </p:nvPicPr>
+                    <p:blipFill>
+                      <a:blip r:embed="rId4"/>
+                      <a:srcRect/>
+                      <a:stretch>
+                        <a:fillRect/>
+                      </a:stretch>
+                    </p:blipFill>
+                    <p:spPr bwMode="auto">
+                      <a:xfrm>
+                        <a:off x="2932112" y="2133600"/>
+                        <a:ext cx="2947988" cy="1574800"/>
+                      </a:xfrm>
+                      <a:prstGeom prst="rect">
+                        <a:avLst/>
+                      </a:prstGeom>
+                      <a:noFill/>
+                      <a:ln>
+                        <a:noFill/>
+                      </a:ln>
+                      <a:effectLst/>
+                      <a:extLst>
+                        <a:ext uri="{909E8E84-426E-40dd-AFC4-6F175D3DCCD1}">
+                          <a14:hiddenFill xmlns:a14="http://schemas.microsoft.com/office/drawing/2010/main">
+                            <a:solidFill>
+                              <a:srgbClr val="FFFFFF"/>
+                            </a:solidFill>
+                          </a14:hiddenFill>
+                        </a:ext>
+                        <a:ext uri="{91240B29-F687-4f45-9708-019B960494DF}">
+                          <a14:hiddenLine xmlns:a14="http://schemas.microsoft.com/office/drawing/2010/main" w="9525">
+                            <a:solidFill>
+                              <a:srgbClr val="000000"/>
+                            </a:solidFill>
+                            <a:miter lim="800000"/>
+                            <a:headEnd/>
+                            <a:tailEnd/>
+                          </a14:hiddenLine>
+                        </a:ext>
+                        <a:ext uri="{AF507438-7753-43e0-B8FC-AC1667EBCBE1}">
+                          <a14:hiddenEffects xmlns:a14="http://schemas.microsoft.com/office/drawing/2010/main">
+                            <a:effectLst>
+                              <a:outerShdw blurRad="63500" dist="38099" dir="2700000" algn="ctr" rotWithShape="0">
+                                <a:srgbClr val="000000">
+                                  <a:alpha val="74997"/>
+                                </a:srgbClr>
+                              </a:outerShdw>
+                            </a:effectLst>
+                          </a14:hiddenEffects>
+                        </a:ext>
+                      </a:extLst>
+                    </p:spPr>
+                  </p:pic>
+                </p:oleObj>
+              </mc:Fallback>
+            </mc:AlternateContent>
+          </a:graphicData>
+        </a:graphic>
+      </p:graphicFrame>
+      <p:graphicFrame>
+        <p:nvGraphicFramePr>
+          <p:cNvPr id="7" name="Object 6"/>
+          <p:cNvGraphicFramePr>
+            <a:graphicFrameLocks noChangeAspect="1"/>
+          </p:cNvGraphicFramePr>
+          <p:nvPr>
+            <p:extLst>
+              <p:ext uri="{D42A27DB-BD31-4B8C-83A1-F6EECF244321}">
+                <p14:modId xmlns:p14="http://schemas.microsoft.com/office/powerpoint/2010/main" val="1352583242"/>
+              </p:ext>
+            </p:extLst>
+          </p:nvPr>
+        </p:nvGraphicFramePr>
+        <p:xfrm>
+          <a:off x="3862388" y="4295775"/>
+          <a:ext cx="884237" cy="1058863"/>
+        </p:xfrm>
+        <a:graphic>
+          <a:graphicData uri="http://schemas.openxmlformats.org/presentationml/2006/ole">
+            <mc:AlternateContent xmlns:mc="http://schemas.openxmlformats.org/markup-compatibility/2006">
+              <mc:Choice xmlns:v="urn:schemas-microsoft-com:vml" Requires="v">
+                <p:oleObj spid="_x0000_s8199" name="Equation" r:id="rId5" imgW="381000" imgH="495300" progId="Equation.DSMT4">
+                  <p:embed/>
+                </p:oleObj>
+              </mc:Choice>
+              <mc:Fallback>
+                <p:oleObj name="Equation" r:id="rId5" imgW="381000" imgH="495300" progId="Equation.DSMT4">
+                  <p:embed/>
+                  <p:pic>
+                    <p:nvPicPr>
+                      <p:cNvPr id="0" name=""/>
+                      <p:cNvPicPr>
+                        <a:picLocks noChangeAspect="1" noChangeArrowheads="1"/>
+                      </p:cNvPicPr>
+                      <p:nvPr/>
+                    </p:nvPicPr>
+                    <p:blipFill>
+                      <a:blip r:embed="rId6"/>
+                      <a:srcRect/>
+                      <a:stretch>
+                        <a:fillRect/>
+                      </a:stretch>
+                    </p:blipFill>
+                    <p:spPr bwMode="auto">
+                      <a:xfrm>
+                        <a:off x="3862388" y="4295775"/>
+                        <a:ext cx="884237" cy="1058863"/>
+                      </a:xfrm>
+                      <a:prstGeom prst="rect">
+                        <a:avLst/>
+                      </a:prstGeom>
+                      <a:noFill/>
+                      <a:ln>
+                        <a:noFill/>
+                      </a:ln>
+                      <a:effectLst/>
+                      <a:extLst>
+                        <a:ext uri="{909E8E84-426E-40dd-AFC4-6F175D3DCCD1}">
+                          <a14:hiddenFill xmlns:a14="http://schemas.microsoft.com/office/drawing/2010/main">
+                            <a:solidFill>
+                              <a:srgbClr val="FFFFFF"/>
+                            </a:solidFill>
+                          </a14:hiddenFill>
+                        </a:ext>
+                        <a:ext uri="{91240B29-F687-4f45-9708-019B960494DF}">
+                          <a14:hiddenLine xmlns:a14="http://schemas.microsoft.com/office/drawing/2010/main" w="9525">
+                            <a:solidFill>
+                              <a:srgbClr val="000000"/>
+                            </a:solidFill>
+                            <a:miter lim="800000"/>
+                            <a:headEnd/>
+                            <a:tailEnd/>
+                          </a14:hiddenLine>
+                        </a:ext>
+                        <a:ext uri="{AF507438-7753-43e0-B8FC-AC1667EBCBE1}">
+                          <a14:hiddenEffects xmlns:a14="http://schemas.microsoft.com/office/drawing/2010/main">
+                            <a:effectLst>
+                              <a:outerShdw blurRad="63500" dist="38099" dir="2700000" algn="ctr" rotWithShape="0">
+                                <a:srgbClr val="000000">
+                                  <a:alpha val="74997"/>
+                                </a:srgbClr>
+                              </a:outerShdw>
+                            </a:effectLst>
+                          </a14:hiddenEffects>
+                        </a:ext>
+                      </a:extLst>
+                    </p:spPr>
+                  </p:pic>
+                </p:oleObj>
+              </mc:Fallback>
+            </mc:AlternateContent>
+          </a:graphicData>
+        </a:graphic>
+      </p:graphicFrame>
+    </p:spTree>
+    <p:extLst>
+      <p:ext uri="{BB962C8B-B14F-4D97-AF65-F5344CB8AC3E}">
+        <p14:creationId xmlns:p14="http://schemas.microsoft.com/office/powerpoint/2010/main" val="1599838787"/>
+      </p:ext>
+    </p:extLst>
+  </p:cSld>
+  <p:clrMapOvr>
+    <a:masterClrMapping/>
+  </p:clrMapOvr>
+</p:sld>
+</file>
+
+<file path=ppt/slides/slide12.xml><?xml version="1.0" encoding="utf-8"?>
 <p:sld xmlns:a="http://schemas.openxmlformats.org/drawingml/2006/main" xmlns:r="http://schemas.openxmlformats.org/officeDocument/2006/relationships" xmlns:p="http://schemas.openxmlformats.org/presentationml/2006/main">
   <p:cSld>
     <p:spTree>
@@ -3932,7 +4890,7 @@
 </p:sld>
 </file>
 
-<file path=ppt/slides/slide12.xml><?xml version="1.0" encoding="utf-8"?>
+<file path=ppt/slides/slide13.xml><?xml version="1.0" encoding="utf-8"?>
 <p:sld xmlns:a="http://schemas.openxmlformats.org/drawingml/2006/main" xmlns:r="http://schemas.openxmlformats.org/officeDocument/2006/relationships" xmlns:p="http://schemas.openxmlformats.org/presentationml/2006/main">
   <p:cSld>
     <p:spTree>
@@ -4104,11 +5062,7 @@
             </a:pPr>
             <a:r>
               <a:rPr lang="ja-JP" altLang="en-US" dirty="0" smtClean="0"/>
-              <a:t>今</a:t>
-            </a:r>
-            <a:r>
-              <a:rPr lang="ja-JP" altLang="en-US" dirty="0" smtClean="0"/>
-              <a:t>回</a:t>
+              <a:t>今回</a:t>
             </a:r>
             <a:endParaRPr lang="en-US" altLang="ja-JP" dirty="0" smtClean="0"/>
           </a:p>
@@ -4122,11 +5076,7 @@
           <a:p>
             <a:r>
               <a:rPr kumimoji="1" lang="ja-JP" altLang="en-US" dirty="0" smtClean="0"/>
-              <a:t>相対</a:t>
-            </a:r>
-            <a:r>
-              <a:rPr kumimoji="1" lang="ja-JP" altLang="en-US" dirty="0" smtClean="0"/>
-              <a:t>誤差</a:t>
+              <a:t>相対誤差</a:t>
             </a:r>
             <a:r>
               <a:rPr kumimoji="1" lang="en-US" altLang="ja-JP" dirty="0" smtClean="0"/>
@@ -4309,7 +5259,7 @@
           <a:graphicData uri="http://schemas.openxmlformats.org/presentationml/2006/ole">
             <mc:AlternateContent xmlns:mc="http://schemas.openxmlformats.org/markup-compatibility/2006">
               <mc:Choice xmlns:v="urn:schemas-microsoft-com:vml" Requires="v">
-                <p:oleObj spid="_x0000_s3076" name="Equation" r:id="rId3" imgW="2781300" imgH="596900" progId="Equation.DSMT4">
+                <p:oleObj spid="_x0000_s3084" name="Equation" r:id="rId3" imgW="2781300" imgH="596900" progId="Equation.DSMT4">
                   <p:embed/>
                 </p:oleObj>
               </mc:Choice>
@@ -4557,11 +5507,7 @@
             </a:br>
             <a:r>
               <a:rPr lang="ja-JP" altLang="en-US" dirty="0" smtClean="0"/>
-              <a:t>が得られる</a:t>
-            </a:r>
-            <a:r>
-              <a:rPr lang="ja-JP" altLang="en-US" dirty="0" smtClean="0"/>
-              <a:t>なら</a:t>
+              <a:t>が得られるなら</a:t>
             </a:r>
             <a:r>
               <a:rPr lang="en-US" altLang="ja-JP" dirty="0" smtClean="0"/>
@@ -4635,19 +5581,7 @@
             </a:r>
             <a:r>
               <a:rPr lang="ja-JP" altLang="en-US" dirty="0" smtClean="0"/>
-              <a:t>誤差</a:t>
-            </a:r>
-            <a:r>
-              <a:rPr lang="ja-JP" altLang="en-US" dirty="0" smtClean="0"/>
-              <a:t>（の最大値）</a:t>
-            </a:r>
-            <a:r>
-              <a:rPr lang="ja-JP" altLang="en-US" dirty="0" smtClean="0"/>
-              <a:t>は</a:t>
-            </a:r>
-            <a:r>
-              <a:rPr lang="ja-JP" altLang="en-US" dirty="0" smtClean="0"/>
-              <a:t>　</a:t>
+              <a:t>誤差（の最大値）は　</a:t>
             </a:r>
             <a:r>
               <a:rPr lang="en-US" altLang="ja-JP" dirty="0" smtClean="0"/>
@@ -4694,7 +5628,6 @@
               <a:rPr lang="ja-JP" altLang="en-US" dirty="0" smtClean="0"/>
               <a:t>の傾き　の総和で得られる</a:t>
             </a:r>
-            <a:endParaRPr lang="ja-JP" altLang="en-US" dirty="0" smtClean="0"/>
           </a:p>
         </p:txBody>
       </p:sp>
@@ -4720,7 +5653,7 @@
           <a:graphicData uri="http://schemas.openxmlformats.org/presentationml/2006/ole">
             <mc:AlternateContent xmlns:mc="http://schemas.openxmlformats.org/markup-compatibility/2006">
               <mc:Choice xmlns:v="urn:schemas-microsoft-com:vml" Requires="v">
-                <p:oleObj spid="_x0000_s4109" name="Equation" r:id="rId3" imgW="1219200" imgH="203200" progId="Equation.DSMT4">
+                <p:oleObj spid="_x0000_s4124" name="Equation" r:id="rId3" imgW="1219200" imgH="203200" progId="Equation.DSMT4">
                   <p:embed/>
                 </p:oleObj>
               </mc:Choice>
@@ -4815,7 +5748,7 @@
           <a:graphicData uri="http://schemas.openxmlformats.org/presentationml/2006/ole">
             <mc:AlternateContent xmlns:mc="http://schemas.openxmlformats.org/markup-compatibility/2006">
               <mc:Choice xmlns:v="urn:schemas-microsoft-com:vml" Requires="v">
-                <p:oleObj spid="_x0000_s4110" name="Equation" r:id="rId5" imgW="1003300" imgH="203200" progId="Equation.DSMT4">
+                <p:oleObj spid="_x0000_s4125" name="Equation" r:id="rId5" imgW="1003300" imgH="203200" progId="Equation.DSMT4">
                   <p:embed/>
                 </p:oleObj>
               </mc:Choice>
@@ -5040,15 +5973,7 @@
             </a:r>
             <a:r>
               <a:rPr lang="ja-JP" altLang="en-US" dirty="0" smtClean="0"/>
-              <a:t>、</a:t>
-            </a:r>
-            <a:r>
-              <a:rPr lang="ja-JP" altLang="en-US" dirty="0" smtClean="0"/>
-              <a:t>直接測定量</a:t>
-            </a:r>
-            <a:r>
-              <a:rPr lang="ja-JP" altLang="en-US" dirty="0" smtClean="0"/>
-              <a:t>それぞれ</a:t>
+              <a:t>、直接測定量それぞれ</a:t>
             </a:r>
             <a:r>
               <a:rPr lang="ja-JP" altLang="en-US" dirty="0"/>
@@ -5096,15 +6021,7 @@
             </a:r>
             <a:r>
               <a:rPr lang="ja-JP" altLang="en-US" dirty="0" smtClean="0"/>
-              <a:t>誤差</a:t>
-            </a:r>
-            <a:r>
-              <a:rPr lang="ja-JP" altLang="en-US" dirty="0" smtClean="0"/>
-              <a:t>（の最大値）</a:t>
-            </a:r>
-            <a:r>
-              <a:rPr lang="ja-JP" altLang="en-US" dirty="0" smtClean="0"/>
-              <a:t>は</a:t>
+              <a:t>誤差（の最大値）は</a:t>
             </a:r>
             <a:br>
               <a:rPr lang="ja-JP" altLang="en-US" dirty="0" smtClean="0"/>
@@ -5135,7 +6052,7 @@
           <a:graphicData uri="http://schemas.openxmlformats.org/presentationml/2006/ole">
             <mc:AlternateContent xmlns:mc="http://schemas.openxmlformats.org/markup-compatibility/2006">
               <mc:Choice xmlns:v="urn:schemas-microsoft-com:vml" Requires="v">
-                <p:oleObj spid="_x0000_s5130" name="Equation" r:id="rId3" imgW="1219200" imgH="203200" progId="Equation.DSMT4">
+                <p:oleObj spid="_x0000_s5152" name="Equation" r:id="rId3" imgW="1219200" imgH="203200" progId="Equation.DSMT4">
                   <p:embed/>
                 </p:oleObj>
               </mc:Choice>
@@ -5230,7 +6147,7 @@
           <a:graphicData uri="http://schemas.openxmlformats.org/presentationml/2006/ole">
             <mc:AlternateContent xmlns:mc="http://schemas.openxmlformats.org/markup-compatibility/2006">
               <mc:Choice xmlns:v="urn:schemas-microsoft-com:vml" Requires="v">
-                <p:oleObj spid="_x0000_s5131" name="Equation" r:id="rId5" imgW="1003300" imgH="203200" progId="Equation.DSMT4">
+                <p:oleObj spid="_x0000_s5153" name="Equation" r:id="rId5" imgW="1003300" imgH="203200" progId="Equation.DSMT4">
                   <p:embed/>
                 </p:oleObj>
               </mc:Choice>
@@ -5384,7 +6301,7 @@
           <a:graphicData uri="http://schemas.openxmlformats.org/presentationml/2006/ole">
             <mc:AlternateContent xmlns:mc="http://schemas.openxmlformats.org/markup-compatibility/2006">
               <mc:Choice xmlns:v="urn:schemas-microsoft-com:vml" Requires="v">
-                <p:oleObj spid="_x0000_s5132" name="Equation" r:id="rId7" imgW="3454400" imgH="749300" progId="Equation.DSMT4">
+                <p:oleObj spid="_x0000_s5154" name="Equation" r:id="rId7" imgW="3454400" imgH="749300" progId="Equation.DSMT4">
                   <p:embed/>
                 </p:oleObj>
               </mc:Choice>
@@ -5675,25 +6592,25 @@
           <p:nvPr>
             <p:extLst>
               <p:ext uri="{D42A27DB-BD31-4B8C-83A1-F6EECF244321}">
-                <p14:modId xmlns:p14="http://schemas.microsoft.com/office/powerpoint/2010/main" val="3878952428"/>
+                <p14:modId xmlns:p14="http://schemas.microsoft.com/office/powerpoint/2010/main" val="4242075783"/>
               </p:ext>
             </p:extLst>
           </p:nvPr>
         </p:nvGraphicFramePr>
         <p:xfrm>
-          <a:off x="2523351" y="4530726"/>
-          <a:ext cx="3035300" cy="1079500"/>
+          <a:off x="2143125" y="4445000"/>
+          <a:ext cx="3800475" cy="1250950"/>
         </p:xfrm>
         <a:graphic>
           <a:graphicData uri="http://schemas.openxmlformats.org/presentationml/2006/ole">
             <mc:AlternateContent xmlns:mc="http://schemas.openxmlformats.org/markup-compatibility/2006">
               <mc:Choice xmlns:v="urn:schemas-microsoft-com:vml" Requires="v">
-                <p:oleObj spid="_x0000_s6156" name="数式" r:id="rId3" imgW="1358310" imgH="482391" progId="Equation.3">
+                <p:oleObj spid="_x0000_s6173" name="Equation" r:id="rId3" imgW="1701800" imgH="558800" progId="Equation.DSMT4">
                   <p:embed/>
                 </p:oleObj>
               </mc:Choice>
               <mc:Fallback>
-                <p:oleObj name="数式" r:id="rId3" imgW="1358310" imgH="482391" progId="Equation.3">
+                <p:oleObj name="Equation" r:id="rId3" imgW="1701800" imgH="558800" progId="Equation.DSMT4">
                   <p:embed/>
                   <p:pic>
                     <p:nvPicPr>
@@ -5704,13 +6621,7 @@
                       <p:nvPr/>
                     </p:nvPicPr>
                     <p:blipFill>
-                      <a:blip r:embed="rId4">
-                        <a:extLst>
-                          <a:ext uri="{28A0092B-C50C-407E-A947-70E740481C1C}">
-                            <a14:useLocalDpi xmlns:a14="http://schemas.microsoft.com/office/drawing/2010/main" val="0"/>
-                          </a:ext>
-                        </a:extLst>
-                      </a:blip>
+                      <a:blip r:embed="rId4"/>
                       <a:srcRect/>
                       <a:stretch>
                         <a:fillRect/>
@@ -5718,8 +6629,8 @@
                     </p:blipFill>
                     <p:spPr bwMode="auto">
                       <a:xfrm>
-                        <a:off x="2523351" y="4530726"/>
-                        <a:ext cx="3035300" cy="1079500"/>
+                        <a:off x="2143125" y="4445000"/>
+                        <a:ext cx="3800475" cy="1250950"/>
                       </a:xfrm>
                       <a:prstGeom prst="rect">
                         <a:avLst/>
@@ -5759,7 +6670,7 @@
           <a:graphicData uri="http://schemas.openxmlformats.org/presentationml/2006/ole">
             <mc:AlternateContent xmlns:mc="http://schemas.openxmlformats.org/markup-compatibility/2006">
               <mc:Choice xmlns:v="urn:schemas-microsoft-com:vml" Requires="v">
-                <p:oleObj spid="_x0000_s6157" name="数式" r:id="rId5" imgW="1206500" imgH="482600" progId="Equation.3">
+                <p:oleObj spid="_x0000_s6174" name="数式" r:id="rId5" imgW="1206500" imgH="482600" progId="Equation.3">
                   <p:embed/>
                 </p:oleObj>
               </mc:Choice>
@@ -5923,11 +6834,7 @@
             </a:r>
             <a:r>
               <a:rPr lang="ja-JP" altLang="en-US" dirty="0" smtClean="0"/>
-              <a:t>から</a:t>
-            </a:r>
-            <a:r>
-              <a:rPr lang="ja-JP" altLang="en-US" dirty="0" smtClean="0"/>
-              <a:t>間接測定値</a:t>
+              <a:t>から間接測定値</a:t>
             </a:r>
             <a:r>
               <a:rPr lang="ja-JP" altLang="en-US" dirty="0"/>
@@ -5956,11 +6863,7 @@
             </a:r>
             <a:r>
               <a:rPr lang="ja-JP" altLang="en-US" dirty="0" smtClean="0"/>
-              <a:t>得る</a:t>
-            </a:r>
-            <a:r>
-              <a:rPr lang="ja-JP" altLang="en-US" dirty="0" smtClean="0"/>
-              <a:t>とする．</a:t>
+              <a:t>得るとする．</a:t>
             </a:r>
             <a:r>
               <a:rPr lang="en-US" altLang="ja-JP" dirty="0" smtClean="0"/>
@@ -6039,11 +6942,7 @@
             </a:r>
             <a:r>
               <a:rPr lang="ja-JP" altLang="en-US" dirty="0" smtClean="0"/>
-              <a:t>の</a:t>
-            </a:r>
-            <a:r>
-              <a:rPr lang="ja-JP" altLang="en-US" dirty="0" smtClean="0"/>
-              <a:t>最確値は</a:t>
+              <a:t>の最確値は</a:t>
             </a:r>
           </a:p>
           <a:p>
@@ -6061,11 +6960,7 @@
           <a:p>
             <a:r>
               <a:rPr lang="ja-JP" altLang="en-US" dirty="0" smtClean="0"/>
-              <a:t>各測定値の</a:t>
-            </a:r>
-            <a:r>
-              <a:rPr lang="ja-JP" altLang="en-US" dirty="0" smtClean="0"/>
-              <a:t>標準偏差</a:t>
+              <a:t>各測定値の標準偏差</a:t>
             </a:r>
             <a:r>
               <a:rPr lang="en-US" altLang="ja-JP" dirty="0" smtClean="0"/>
@@ -6126,7 +7021,6 @@
               <a:rPr lang="ja-JP" altLang="en-US" dirty="0" smtClean="0"/>
               <a:t>は</a:t>
             </a:r>
-            <a:endParaRPr lang="ja-JP" altLang="en-US" dirty="0" smtClean="0"/>
           </a:p>
           <a:p>
             <a:pPr marL="0" indent="0">
@@ -6187,7 +7081,7 @@
           <a:graphicData uri="http://schemas.openxmlformats.org/presentationml/2006/ole">
             <mc:AlternateContent xmlns:mc="http://schemas.openxmlformats.org/markup-compatibility/2006">
               <mc:Choice xmlns:v="urn:schemas-microsoft-com:vml" Requires="v">
-                <p:oleObj spid="_x0000_s7176" name="Equation" r:id="rId3" imgW="1219200" imgH="203200" progId="Equation.DSMT4">
+                <p:oleObj spid="_x0000_s7201" name="Equation" r:id="rId3" imgW="1219200" imgH="203200" progId="Equation.DSMT4">
                   <p:embed/>
                 </p:oleObj>
               </mc:Choice>
@@ -6282,7 +7176,7 @@
           <a:graphicData uri="http://schemas.openxmlformats.org/presentationml/2006/ole">
             <mc:AlternateContent xmlns:mc="http://schemas.openxmlformats.org/markup-compatibility/2006">
               <mc:Choice xmlns:v="urn:schemas-microsoft-com:vml" Requires="v">
-                <p:oleObj spid="_x0000_s7177" name="Equation" r:id="rId5" imgW="1346200" imgH="241300" progId="Equation.DSMT4">
+                <p:oleObj spid="_x0000_s7202" name="Equation" r:id="rId5" imgW="1346200" imgH="241300" progId="Equation.DSMT4">
                   <p:embed/>
                 </p:oleObj>
               </mc:Choice>
@@ -6377,7 +7271,7 @@
           <a:graphicData uri="http://schemas.openxmlformats.org/presentationml/2006/ole">
             <mc:AlternateContent xmlns:mc="http://schemas.openxmlformats.org/markup-compatibility/2006">
               <mc:Choice xmlns:v="urn:schemas-microsoft-com:vml" Requires="v">
-                <p:oleObj spid="_x0000_s7178" name="Equation" r:id="rId7" imgW="1244600" imgH="520700" progId="Equation.DSMT4">
+                <p:oleObj spid="_x0000_s7203" name="Equation" r:id="rId7" imgW="1244600" imgH="520700" progId="Equation.DSMT4">
                   <p:embed/>
                 </p:oleObj>
               </mc:Choice>
@@ -6640,8 +7534,33 @@
           <a:p>
             <a:r>
               <a:rPr kumimoji="1" lang="ja-JP" altLang="en-US" dirty="0" smtClean="0"/>
-              <a:t>測定値が直接測定値の間の方程式の定数である場合</a:t>
-            </a:r>
+              <a:t>直接測定値の方程式</a:t>
+            </a:r>
+            <a:r>
+              <a:rPr kumimoji="1" lang="ja-JP" altLang="en-US" dirty="0" smtClean="0"/>
+              <a:t>の</a:t>
+            </a:r>
+            <a:r>
+              <a:rPr kumimoji="1" lang="ja-JP" altLang="en-US" dirty="0" smtClean="0"/>
+              <a:t>定数</a:t>
+            </a:r>
+            <a:r>
+              <a:rPr kumimoji="1" lang="ja-JP" altLang="en-US" dirty="0" smtClean="0"/>
+              <a:t>を求める</a:t>
+            </a:r>
+            <a:r>
+              <a:rPr kumimoji="1" lang="ja-JP" altLang="en-US" dirty="0" smtClean="0"/>
+              <a:t>場合</a:t>
+            </a:r>
+            <a:endParaRPr kumimoji="1" lang="en-US" altLang="ja-JP" dirty="0" smtClean="0"/>
+          </a:p>
+          <a:p>
+            <a:pPr lvl="1"/>
+            <a:r>
+              <a:rPr lang="ja-JP" altLang="en-US" dirty="0" smtClean="0"/>
+              <a:t>測定値の組が直線にのる</a:t>
+            </a:r>
+            <a:endParaRPr kumimoji="1" lang="ja-JP" altLang="en-US" dirty="0" smtClean="0"/>
           </a:p>
           <a:p>
             <a:r>
@@ -6661,37 +7580,98 @@
             <a:pPr lvl="1"/>
             <a:r>
               <a:rPr kumimoji="1" lang="ja-JP" altLang="en-US" dirty="0" smtClean="0"/>
+              <a:t>抵抗値</a:t>
+            </a:r>
+            <a:r>
+              <a:rPr kumimoji="1" lang="en-US" altLang="ja-JP" dirty="0" smtClean="0"/>
+              <a:t> </a:t>
+            </a:r>
+            <a:r>
+              <a:rPr kumimoji="1" lang="en-US" altLang="ja-JP" i="1" dirty="0" smtClean="0">
+                <a:latin typeface="Euclid"/>
+                <a:cs typeface="Euclid"/>
+              </a:rPr>
+              <a:t>R</a:t>
+            </a:r>
+            <a:r>
+              <a:rPr kumimoji="1" lang="en-US" altLang="ja-JP" dirty="0" smtClean="0">
+                <a:latin typeface="Euclid"/>
+                <a:cs typeface="Euclid"/>
+              </a:rPr>
+              <a:t> = </a:t>
+            </a:r>
+            <a:r>
+              <a:rPr lang="ja-JP" altLang="en-US" dirty="0" smtClean="0"/>
+              <a:t>（</a:t>
+            </a:r>
+            <a:r>
+              <a:rPr lang="ja-JP" altLang="en-US" dirty="0"/>
               <a:t>電圧</a:t>
             </a:r>
             <a:r>
-              <a:rPr kumimoji="1" lang="en-US" altLang="ja-JP" dirty="0" smtClean="0"/>
-              <a:t> V = </a:t>
-            </a:r>
-            <a:r>
-              <a:rPr kumimoji="1" lang="ja-JP" altLang="en-US" dirty="0" smtClean="0"/>
-              <a:t>抵抗値</a:t>
-            </a:r>
-            <a:r>
-              <a:rPr kumimoji="1" lang="en-US" altLang="ja-JP" dirty="0" smtClean="0"/>
-              <a:t> R x </a:t>
-            </a:r>
-            <a:r>
-              <a:rPr kumimoji="1" lang="ja-JP" altLang="en-US" dirty="0" smtClean="0"/>
-              <a:t>電流</a:t>
-            </a:r>
-            <a:r>
-              <a:rPr kumimoji="1" lang="en-US" altLang="ja-JP" dirty="0" smtClean="0"/>
-              <a:t> I + </a:t>
-            </a:r>
-            <a:r>
-              <a:rPr kumimoji="1" lang="ja-JP" altLang="en-US" dirty="0" smtClean="0"/>
+              <a:rPr lang="en-US" altLang="ja-JP" dirty="0"/>
+              <a:t> </a:t>
+            </a:r>
+            <a:r>
+              <a:rPr lang="en-US" altLang="ja-JP" i="1" dirty="0">
+                <a:latin typeface="Euclid"/>
+                <a:cs typeface="Euclid"/>
+              </a:rPr>
+              <a:t>V</a:t>
+            </a:r>
+            <a:r>
+              <a:rPr lang="en-US" altLang="ja-JP" dirty="0"/>
+              <a:t> - </a:t>
+            </a:r>
+            <a:r>
+              <a:rPr lang="ja-JP" altLang="en-US" dirty="0"/>
               <a:t>電圧のずれ</a:t>
             </a:r>
             <a:r>
-              <a:rPr kumimoji="1" lang="en-US" altLang="ja-JP" dirty="0" smtClean="0"/>
-              <a:t> V0</a:t>
-            </a:r>
-            <a:endParaRPr lang="ja-JP" altLang="en-US" dirty="0"/>
+              <a:rPr lang="en-US" altLang="ja-JP" dirty="0"/>
+              <a:t> </a:t>
+            </a:r>
+            <a:r>
+              <a:rPr lang="en-US" altLang="ja-JP" i="1" dirty="0">
+                <a:latin typeface="Euclid"/>
+                <a:cs typeface="Euclid"/>
+              </a:rPr>
+              <a:t>V</a:t>
+            </a:r>
+            <a:r>
+              <a:rPr lang="en-US" altLang="ja-JP" baseline="-25000" dirty="0">
+                <a:latin typeface="Euclid"/>
+                <a:cs typeface="Euclid"/>
+              </a:rPr>
+              <a:t>0</a:t>
+            </a:r>
+            <a:r>
+              <a:rPr lang="en-US" altLang="ja-JP" dirty="0"/>
+              <a:t> </a:t>
+            </a:r>
+            <a:r>
+              <a:rPr lang="ja-JP" altLang="en-US" dirty="0"/>
+              <a:t>）</a:t>
+            </a:r>
+            <a:r>
+              <a:rPr lang="en-US" altLang="ja-JP" dirty="0"/>
+              <a:t>/ </a:t>
+            </a:r>
+            <a:r>
+              <a:rPr lang="en-US" altLang="ja-JP" i="1" dirty="0">
+                <a:latin typeface="Euclid"/>
+                <a:cs typeface="Euclid"/>
+              </a:rPr>
+              <a:t>I</a:t>
+            </a:r>
+            <a:r>
+              <a:rPr lang="en-US" altLang="ja-JP" dirty="0"/>
+              <a:t> </a:t>
+            </a:r>
+            <a:endParaRPr lang="ja-JP" altLang="en-US" i="1" dirty="0">
+              <a:latin typeface="Euclid"/>
+              <a:cs typeface="Euclid"/>
+            </a:endParaRPr>
           </a:p>
           <a:p>
             <a:pPr marL="274320" lvl="1" indent="0">
@@ -6711,8 +7691,13 @@
             </a:r>
             <a:r>
               <a:rPr kumimoji="1" lang="ja-JP" altLang="en-US" dirty="0" smtClean="0"/>
-              <a:t>点ずれ、導線接合部での熱電効果（ゼーベック効果、熱電対の原理）による起電力など</a:t>
-            </a:r>
+              <a:t>点ずれ、導線接合部での熱電</a:t>
+            </a:r>
+            <a:r>
+              <a:rPr kumimoji="1" lang="ja-JP" altLang="en-US" dirty="0" smtClean="0"/>
+              <a:t>効果など</a:t>
+            </a:r>
+            <a:endParaRPr kumimoji="1" lang="ja-JP" altLang="en-US" dirty="0" smtClean="0"/>
           </a:p>
           <a:p>
             <a:pPr lvl="1"/>
@@ -6721,8 +7706,15 @@
               <a:t>測定は、</a:t>
             </a:r>
             <a:r>
+              <a:rPr lang="en-US" altLang="ja-JP" i="1" dirty="0" smtClean="0">
+                <a:latin typeface="Euclid"/>
+                <a:cs typeface="Euclid"/>
+              </a:rPr>
+              <a:t>V</a:t>
+            </a:r>
+            <a:r>
               <a:rPr lang="en-US" altLang="ja-JP" dirty="0" smtClean="0"/>
-              <a:t>V </a:t>
+              <a:t> </a:t>
             </a:r>
             <a:r>
               <a:rPr lang="ja-JP" altLang="en-US" dirty="0" smtClean="0"/>
@@ -6730,11 +7722,34 @@
             </a:r>
             <a:r>
               <a:rPr lang="en-US" altLang="ja-JP" dirty="0" smtClean="0"/>
-              <a:t> I </a:t>
-            </a:r>
-            <a:r>
-              <a:rPr lang="ja-JP" altLang="en-US" dirty="0" smtClean="0"/>
-              <a:t>の組を複数得る作業　になる．</a:t>
+              <a:t> </a:t>
+            </a:r>
+            <a:r>
+              <a:rPr lang="en-US" altLang="ja-JP" i="1" dirty="0" smtClean="0">
+                <a:latin typeface="Euclid"/>
+                <a:cs typeface="Euclid"/>
+              </a:rPr>
+              <a:t>I</a:t>
+            </a:r>
+            <a:r>
+              <a:rPr lang="en-US" altLang="ja-JP" dirty="0" smtClean="0"/>
+              <a:t> </a:t>
+            </a:r>
+            <a:r>
+              <a:rPr lang="ja-JP" altLang="en-US" dirty="0" smtClean="0"/>
+              <a:t>の組を複数得る</a:t>
+            </a:r>
+            <a:r>
+              <a:rPr lang="ja-JP" altLang="en-US" dirty="0" smtClean="0"/>
+              <a:t>作業</a:t>
+            </a:r>
+            <a:r>
+              <a:rPr lang="ja-JP" altLang="en-US" dirty="0" smtClean="0"/>
+              <a:t>．</a:t>
+            </a:r>
+            <a:r>
+              <a:rPr lang="ja-JP" altLang="en-US" dirty="0" smtClean="0"/>
+              <a:t/>
             </a:r>
             <a:br>
               <a:rPr lang="ja-JP" altLang="en-US" dirty="0" smtClean="0"/>
